--- a/first-project.pptx
+++ b/first-project.pptx
@@ -2,7 +2,7 @@
 <file path=ppt/presentation.xml><?xml version="1.0" encoding="utf-8"?>
 <p:presentation xmlns:r="http://schemas.openxmlformats.org/officeDocument/2006/relationships" xmlns:c="http://schemas.openxmlformats.org/drawingml/2006/chart" xmlns:a="http://schemas.openxmlformats.org/drawingml/2006/main" xmlns:dgm="http://schemas.openxmlformats.org/drawingml/2006/diagram" xmlns:dsp="http://schemas.microsoft.com/office/drawing/2008/diagram" xmlns:p="http://schemas.openxmlformats.org/presentationml/2006/main">
   <p:sldMasterIdLst>
-    <p:sldMasterId id="2147483690" r:id="rId1"/>
+    <p:sldMasterId id="2147483673" r:id="rId1"/>
   </p:sldMasterIdLst>
   <p:sldIdLst>
     <p:sldId id="257" r:id="rId2"/>
@@ -7043,8 +7043,8 @@
         </p:blipFill>
         <p:spPr>
           <a:xfrm>
-            <a:off x="883278" y="1382587"/>
-            <a:ext cx="9029700" cy="4092825"/>
+            <a:off x="1995664" y="1691268"/>
+            <a:ext cx="8200672" cy="3475464"/>
           </a:xfrm>
           <a:prstGeom prst="rect">
             <a:avLst/>
